--- a/Project4-Capstone/InstaPredict.pptx
+++ b/Project4-Capstone/InstaPredict.pptx
@@ -25,21 +25,22 @@
     <p:sldId id="270" r:id="rId19"/>
     <p:sldId id="271" r:id="rId20"/>
     <p:sldId id="272" r:id="rId21"/>
+    <p:sldId id="273" r:id="rId22"/>
   </p:sldIdLst>
   <p:sldSz cy="5143500" cx="9144000"/>
   <p:notesSz cx="6858000" cy="9144000"/>
   <p:embeddedFontLst>
     <p:embeddedFont>
       <p:font typeface="Roboto Slab"/>
-      <p:regular r:id="rId22"/>
-      <p:bold r:id="rId23"/>
+      <p:regular r:id="rId23"/>
+      <p:bold r:id="rId24"/>
     </p:embeddedFont>
     <p:embeddedFont>
       <p:font typeface="Roboto"/>
-      <p:regular r:id="rId24"/>
-      <p:bold r:id="rId25"/>
-      <p:italic r:id="rId26"/>
-      <p:boldItalic r:id="rId27"/>
+      <p:regular r:id="rId25"/>
+      <p:bold r:id="rId26"/>
+      <p:italic r:id="rId27"/>
+      <p:boldItalic r:id="rId28"/>
     </p:embeddedFont>
   </p:embeddedFontLst>
   <p:defaultTextStyle>
@@ -1066,7 +1067,7 @@
   <p:cSld>
     <p:spTree>
       <p:nvGrpSpPr>
-        <p:cNvPr id="183" name="Shape 183"/>
+        <p:cNvPr id="184" name="Shape 184"/>
         <p:cNvGrpSpPr/>
         <p:nvPr/>
       </p:nvGrpSpPr>
@@ -1080,7 +1081,7 @@
       </p:grpSpPr>
       <p:sp>
         <p:nvSpPr>
-          <p:cNvPr id="184" name="Shape 184"/>
+          <p:cNvPr id="185" name="Shape 185"/>
           <p:cNvSpPr/>
           <p:nvPr>
             <p:ph idx="2" type="sldImg"/>
@@ -1114,7 +1115,7 @@
       </p:sp>
       <p:sp>
         <p:nvSpPr>
-          <p:cNvPr id="185" name="Shape 185"/>
+          <p:cNvPr id="186" name="Shape 186"/>
           <p:cNvSpPr txBox="1"/>
           <p:nvPr>
             <p:ph idx="1" type="body"/>
@@ -1135,7 +1136,7 @@
           </a:bodyPr>
           <a:lstStyle/>
           <a:p>
-            <a:pPr lvl="0" rtl="0">
+            <a:pPr lvl="0">
               <a:spcBef>
                 <a:spcPts val="0"/>
               </a:spcBef>
@@ -1161,7 +1162,7 @@
   <p:cSld>
     <p:spTree>
       <p:nvGrpSpPr>
-        <p:cNvPr id="189" name="Shape 189"/>
+        <p:cNvPr id="190" name="Shape 190"/>
         <p:cNvGrpSpPr/>
         <p:nvPr/>
       </p:nvGrpSpPr>
@@ -1175,7 +1176,7 @@
       </p:grpSpPr>
       <p:sp>
         <p:nvSpPr>
-          <p:cNvPr id="190" name="Shape 190"/>
+          <p:cNvPr id="191" name="Shape 191"/>
           <p:cNvSpPr/>
           <p:nvPr>
             <p:ph idx="2" type="sldImg"/>
@@ -1209,7 +1210,102 @@
       </p:sp>
       <p:sp>
         <p:nvSpPr>
-          <p:cNvPr id="191" name="Shape 191"/>
+          <p:cNvPr id="192" name="Shape 192"/>
+          <p:cNvSpPr txBox="1"/>
+          <p:nvPr>
+            <p:ph idx="1" type="body"/>
+          </p:nvPr>
+        </p:nvSpPr>
+        <p:spPr>
+          <a:xfrm>
+            <a:off x="685800" y="4343400"/>
+            <a:ext cx="5486400" cy="4114800"/>
+          </a:xfrm>
+          <a:prstGeom prst="rect">
+            <a:avLst/>
+          </a:prstGeom>
+        </p:spPr>
+        <p:txBody>
+          <a:bodyPr anchorCtr="0" anchor="t" bIns="91425" lIns="91425" rIns="91425" tIns="91425">
+            <a:noAutofit/>
+          </a:bodyPr>
+          <a:lstStyle/>
+          <a:p>
+            <a:pPr lvl="0" rtl="0">
+              <a:spcBef>
+                <a:spcPts val="0"/>
+              </a:spcBef>
+              <a:buNone/>
+            </a:pPr>
+            <a:r>
+              <a:t/>
+            </a:r>
+            <a:endParaRPr/>
+          </a:p>
+        </p:txBody>
+      </p:sp>
+    </p:spTree>
+  </p:cSld>
+  <p:clrMapOvr>
+    <a:masterClrMapping/>
+  </p:clrMapOvr>
+</p:notes>
+</file>
+
+<file path=ppt/notesSlides/notesSlide18.xml><?xml version="1.0" encoding="utf-8"?>
+<p:notes xmlns:a="http://schemas.openxmlformats.org/drawingml/2006/main" xmlns:r="http://schemas.openxmlformats.org/officeDocument/2006/relationships" xmlns:mc="http://schemas.openxmlformats.org/markup-compatibility/2006" xmlns:mv="urn:schemas-microsoft-com:mac:vml" xmlns:p="http://schemas.openxmlformats.org/presentationml/2006/main" xmlns:c="http://schemas.openxmlformats.org/drawingml/2006/chart" xmlns:dgm="http://schemas.openxmlformats.org/drawingml/2006/diagram" xmlns:o="urn:schemas-microsoft-com:office:office" xmlns:v="urn:schemas-microsoft-com:vml" xmlns:pvml="urn:schemas-microsoft-com:office:powerpoint" xmlns:com="http://schemas.openxmlformats.org/drawingml/2006/compatibility" xmlns:p14="http://schemas.microsoft.com/office/powerpoint/2010/main" showMasterPhAnim="0" showMasterSp="0">
+  <p:cSld>
+    <p:spTree>
+      <p:nvGrpSpPr>
+        <p:cNvPr id="196" name="Shape 196"/>
+        <p:cNvGrpSpPr/>
+        <p:nvPr/>
+      </p:nvGrpSpPr>
+      <p:grpSpPr>
+        <a:xfrm>
+          <a:off x="0" y="0"/>
+          <a:ext cx="0" cy="0"/>
+          <a:chOff x="0" y="0"/>
+          <a:chExt cx="0" cy="0"/>
+        </a:xfrm>
+      </p:grpSpPr>
+      <p:sp>
+        <p:nvSpPr>
+          <p:cNvPr id="197" name="Shape 197"/>
+          <p:cNvSpPr/>
+          <p:nvPr>
+            <p:ph idx="2" type="sldImg"/>
+          </p:nvPr>
+        </p:nvSpPr>
+        <p:spPr>
+          <a:xfrm>
+            <a:off x="381300" y="685800"/>
+            <a:ext cx="6096000" cy="3429000"/>
+          </a:xfrm>
+          <a:custGeom>
+            <a:pathLst>
+              <a:path extrusionOk="0" h="120000" w="120000">
+                <a:moveTo>
+                  <a:pt x="0" y="0"/>
+                </a:moveTo>
+                <a:lnTo>
+                  <a:pt x="120000" y="0"/>
+                </a:lnTo>
+                <a:lnTo>
+                  <a:pt x="120000" y="120000"/>
+                </a:lnTo>
+                <a:lnTo>
+                  <a:pt x="0" y="120000"/>
+                </a:lnTo>
+                <a:close/>
+              </a:path>
+            </a:pathLst>
+          </a:custGeom>
+        </p:spPr>
+      </p:sp>
+      <p:sp>
+        <p:nvSpPr>
+          <p:cNvPr id="198" name="Shape 198"/>
           <p:cNvSpPr txBox="1"/>
           <p:nvPr>
             <p:ph idx="1" type="body"/>
@@ -5965,7 +6061,7 @@
             </a:pPr>
             <a:r>
               <a:rPr lang="en" sz="1100"/>
-              <a:t>Kyle Gallatin, Chris Cappazola, Tom Hunter, Mayank Shah</a:t>
+              <a:t>Kyle Gallatin, Chris Capozzola, Tom Hunter, Mayank Shah</a:t>
             </a:r>
           </a:p>
         </p:txBody>
@@ -6681,7 +6777,7 @@
             </a:pPr>
             <a:r>
               <a:rPr lang="en"/>
-              <a:t>Flask app - Instapredict</a:t>
+              <a:t>Model Results</a:t>
             </a:r>
           </a:p>
         </p:txBody>
@@ -6696,8 +6792,8 @@
         </p:nvSpPr>
         <p:spPr>
           <a:xfrm>
-            <a:off x="387900" y="1489825"/>
-            <a:ext cx="8368200" cy="3476100"/>
+            <a:off x="4507900" y="1345400"/>
+            <a:ext cx="4209000" cy="3078900"/>
           </a:xfrm>
           <a:prstGeom prst="rect">
             <a:avLst/>
@@ -6717,71 +6813,51 @@
             </a:pPr>
             <a:r>
               <a:rPr lang="en"/>
-              <a:t>Design:</a:t>
-            </a:r>
-          </a:p>
-          <a:p>
-            <a:pPr indent="-228600" lvl="0" marL="457200" rtl="0">
-              <a:spcBef>
-                <a:spcPts val="0"/>
-              </a:spcBef>
-              <a:buChar char="-"/>
+              <a:t>Tuning the Gradient Boosting Regressor, we were able to then measure the success of the model by applying it to a set of test data.</a:t>
+            </a:r>
+          </a:p>
+          <a:p>
+            <a:pPr lvl="0">
+              <a:spcBef>
+                <a:spcPts val="0"/>
+              </a:spcBef>
+              <a:buNone/>
             </a:pPr>
             <a:r>
               <a:rPr lang="en"/>
-              <a:t>Input a photo and your username. Back end extracts the features from the photo, and scrapes other necessary info from public accounts</a:t>
-            </a:r>
-          </a:p>
-          <a:p>
-            <a:pPr lvl="0" rtl="0">
-              <a:spcBef>
-                <a:spcPts val="0"/>
-              </a:spcBef>
-              <a:buNone/>
-            </a:pPr>
-            <a:r>
-              <a:rPr lang="en"/>
-              <a:t>Current limitations</a:t>
-            </a:r>
-          </a:p>
-          <a:p>
-            <a:pPr indent="-228600" lvl="0" marL="457200" rtl="0">
-              <a:spcBef>
-                <a:spcPts val="0"/>
-              </a:spcBef>
-              <a:buChar char="-"/>
-            </a:pPr>
-            <a:r>
-              <a:rPr lang="en"/>
-              <a:t>Public accounts only </a:t>
-            </a:r>
-          </a:p>
-          <a:p>
-            <a:pPr indent="-228600" lvl="0" marL="457200" rtl="0">
-              <a:spcBef>
-                <a:spcPts val="0"/>
-              </a:spcBef>
-              <a:buChar char="-"/>
-            </a:pPr>
-            <a:r>
-              <a:rPr lang="en"/>
-              <a:t>Data needs to be live scraped (no direct API access from Instagram)</a:t>
-            </a:r>
-          </a:p>
-          <a:p>
-            <a:pPr indent="-228600" lvl="0" marL="457200">
-              <a:spcBef>
-                <a:spcPts val="0"/>
-              </a:spcBef>
-              <a:buChar char="-"/>
-            </a:pPr>
-            <a:r>
-              <a:rPr lang="en"/>
-              <a:t>No current input to test how filters, hashtags, and captions could improve your post</a:t>
-            </a:r>
-          </a:p>
-        </p:txBody>
-      </p:sp>
+              <a:t>By comparing our predicted results to the actual amount of likes a post received in our test set, we saw that 95% of the predictions were within 30 likes.</a:t>
+            </a:r>
+          </a:p>
+        </p:txBody>
+      </p:sp>
+      <p:pic>
+        <p:nvPicPr>
+          <p:cNvPr descr="Screen Shot 2017-03-29 at 10.29.20 AM.png" id="183" name="Shape 183"/>
+          <p:cNvPicPr preferRelativeResize="0"/>
+          <p:nvPr/>
+        </p:nvPicPr>
+        <p:blipFill>
+          <a:blip r:embed="rId3">
+            <a:alphaModFix/>
+          </a:blip>
+          <a:stretch>
+            <a:fillRect/>
+          </a:stretch>
+        </p:blipFill>
+        <p:spPr>
+          <a:xfrm>
+            <a:off x="387900" y="1345400"/>
+            <a:ext cx="3680775" cy="3078900"/>
+          </a:xfrm>
+          <a:prstGeom prst="rect">
+            <a:avLst/>
+          </a:prstGeom>
+          <a:noFill/>
+          <a:ln>
+            <a:noFill/>
+          </a:ln>
+        </p:spPr>
+      </p:pic>
     </p:spTree>
   </p:cSld>
   <p:clrMapOvr>
@@ -6795,7 +6871,7 @@
   <p:cSld>
     <p:spTree>
       <p:nvGrpSpPr>
-        <p:cNvPr id="186" name="Shape 186"/>
+        <p:cNvPr id="187" name="Shape 187"/>
         <p:cNvGrpSpPr/>
         <p:nvPr/>
       </p:nvGrpSpPr>
@@ -6809,7 +6885,7 @@
       </p:grpSpPr>
       <p:sp>
         <p:nvSpPr>
-          <p:cNvPr id="187" name="Shape 187"/>
+          <p:cNvPr id="188" name="Shape 188"/>
           <p:cNvSpPr txBox="1"/>
           <p:nvPr>
             <p:ph type="title"/>
@@ -6830,7 +6906,7 @@
           </a:bodyPr>
           <a:lstStyle/>
           <a:p>
-            <a:pPr lvl="0" rtl="0">
+            <a:pPr lvl="0">
               <a:spcBef>
                 <a:spcPts val="0"/>
               </a:spcBef>
@@ -6838,14 +6914,14 @@
             </a:pPr>
             <a:r>
               <a:rPr lang="en"/>
-              <a:t>Future Directions </a:t>
-            </a:r>
-          </a:p>
-        </p:txBody>
-      </p:sp>
-      <p:sp>
-        <p:nvSpPr>
-          <p:cNvPr id="188" name="Shape 188"/>
+              <a:t>Flask app - Instapredict</a:t>
+            </a:r>
+          </a:p>
+        </p:txBody>
+      </p:sp>
+      <p:sp>
+        <p:nvSpPr>
+          <p:cNvPr id="189" name="Shape 189"/>
           <p:cNvSpPr txBox="1"/>
           <p:nvPr>
             <p:ph idx="1" type="body"/>
@@ -6853,8 +6929,8 @@
         </p:nvSpPr>
         <p:spPr>
           <a:xfrm>
-            <a:off x="387900" y="1489824"/>
-            <a:ext cx="8368200" cy="3078900"/>
+            <a:off x="387900" y="1489825"/>
+            <a:ext cx="8368200" cy="3476100"/>
           </a:xfrm>
           <a:prstGeom prst="rect">
             <a:avLst/>
@@ -6866,6 +6942,30 @@
           </a:bodyPr>
           <a:lstStyle/>
           <a:p>
+            <a:pPr lvl="0">
+              <a:spcBef>
+                <a:spcPts val="0"/>
+              </a:spcBef>
+              <a:buNone/>
+            </a:pPr>
+            <a:r>
+              <a:rPr lang="en"/>
+              <a:t>Design:</a:t>
+            </a:r>
+          </a:p>
+          <a:p>
+            <a:pPr indent="-228600" lvl="0" marL="457200" rtl="0">
+              <a:spcBef>
+                <a:spcPts val="0"/>
+              </a:spcBef>
+              <a:buChar char="-"/>
+            </a:pPr>
+            <a:r>
+              <a:rPr lang="en"/>
+              <a:t>Input a photo and your username. Back end extracts the features from the photo, and scrapes other necessary info from public accounts</a:t>
+            </a:r>
+          </a:p>
+          <a:p>
             <a:pPr lvl="0" rtl="0">
               <a:spcBef>
                 <a:spcPts val="0"/>
@@ -6873,88 +6973,44 @@
               <a:buNone/>
             </a:pPr>
             <a:r>
-              <a:rPr lang="en" u="sng"/>
-              <a:t>More data</a:t>
-            </a:r>
-            <a:r>
               <a:rPr lang="en"/>
-              <a:t> - Millions of photos are posted every second</a:t>
-            </a:r>
-          </a:p>
-          <a:p>
-            <a:pPr lvl="0" rtl="0">
-              <a:spcBef>
-                <a:spcPts val="0"/>
-              </a:spcBef>
-              <a:buNone/>
-            </a:pPr>
-            <a:r>
-              <a:rPr lang="en" u="sng"/>
-              <a:t>Subsets</a:t>
-            </a:r>
+              <a:t>Current limitations</a:t>
+            </a:r>
+          </a:p>
+          <a:p>
+            <a:pPr indent="-228600" lvl="0" marL="457200" rtl="0">
+              <a:spcBef>
+                <a:spcPts val="0"/>
+              </a:spcBef>
+              <a:buChar char="-"/>
+            </a:pPr>
             <a:r>
               <a:rPr lang="en"/>
-              <a:t> - It’s likely we’d need different models for different tags</a:t>
-            </a:r>
-          </a:p>
-          <a:p>
-            <a:pPr lvl="0" rtl="0">
-              <a:spcBef>
-                <a:spcPts val="0"/>
-              </a:spcBef>
-              <a:buNone/>
-            </a:pPr>
-            <a:r>
-              <a:rPr lang="en" u="sng"/>
-              <a:t>Date/Time</a:t>
-            </a:r>
+              <a:t>Public accounts only </a:t>
+            </a:r>
+          </a:p>
+          <a:p>
+            <a:pPr indent="-228600" lvl="0" marL="457200" rtl="0">
+              <a:spcBef>
+                <a:spcPts val="0"/>
+              </a:spcBef>
+              <a:buChar char="-"/>
+            </a:pPr>
             <a:r>
               <a:rPr lang="en"/>
-              <a:t> - The time a photo is posted and how long it’s been up effect likes</a:t>
-            </a:r>
-          </a:p>
-          <a:p>
-            <a:pPr lvl="0" rtl="0">
-              <a:spcBef>
-                <a:spcPts val="0"/>
-              </a:spcBef>
-              <a:buNone/>
-            </a:pPr>
-            <a:r>
-              <a:rPr lang="en" u="sng"/>
-              <a:t>Follower involvement</a:t>
-            </a:r>
+              <a:t>Data needs to be live scraped (no direct API access from Instagram)</a:t>
+            </a:r>
+          </a:p>
+          <a:p>
+            <a:pPr indent="-228600" lvl="0" marL="457200">
+              <a:spcBef>
+                <a:spcPts val="0"/>
+              </a:spcBef>
+              <a:buChar char="-"/>
+            </a:pPr>
             <a:r>
               <a:rPr lang="en"/>
-              <a:t> - Specific lists of users followers would let us quantify their activity, and how often they like a user’s posts</a:t>
-            </a:r>
-          </a:p>
-          <a:p>
-            <a:pPr lvl="0" rtl="0">
-              <a:spcBef>
-                <a:spcPts val="0"/>
-              </a:spcBef>
-              <a:buNone/>
-            </a:pPr>
-            <a:r>
-              <a:rPr lang="en" u="sng"/>
-              <a:t>Image features</a:t>
-            </a:r>
-            <a:r>
-              <a:rPr lang="en"/>
-              <a:t> - Tons more information could be extracted from photos</a:t>
-            </a:r>
-          </a:p>
-          <a:p>
-            <a:pPr lvl="0" rtl="0">
-              <a:spcBef>
-                <a:spcPts val="0"/>
-              </a:spcBef>
-              <a:buNone/>
-            </a:pPr>
-            <a:r>
-              <a:rPr lang="en"/>
-              <a:t>….the possibilities are borderline endless</a:t>
+              <a:t>No current input to test how filters, hashtags, and captions could improve your post</a:t>
             </a:r>
           </a:p>
         </p:txBody>
@@ -6972,7 +7028,7 @@
   <p:cSld>
     <p:spTree>
       <p:nvGrpSpPr>
-        <p:cNvPr id="192" name="Shape 192"/>
+        <p:cNvPr id="193" name="Shape 193"/>
         <p:cNvGrpSpPr/>
         <p:nvPr/>
       </p:nvGrpSpPr>
@@ -6986,7 +7042,7 @@
       </p:grpSpPr>
       <p:sp>
         <p:nvSpPr>
-          <p:cNvPr id="193" name="Shape 193"/>
+          <p:cNvPr id="194" name="Shape 194"/>
           <p:cNvSpPr txBox="1"/>
           <p:nvPr>
             <p:ph type="title"/>
@@ -7007,6 +7063,183 @@
           </a:bodyPr>
           <a:lstStyle/>
           <a:p>
+            <a:pPr lvl="0" rtl="0">
+              <a:spcBef>
+                <a:spcPts val="0"/>
+              </a:spcBef>
+              <a:buNone/>
+            </a:pPr>
+            <a:r>
+              <a:rPr lang="en"/>
+              <a:t>Future Directions </a:t>
+            </a:r>
+          </a:p>
+        </p:txBody>
+      </p:sp>
+      <p:sp>
+        <p:nvSpPr>
+          <p:cNvPr id="195" name="Shape 195"/>
+          <p:cNvSpPr txBox="1"/>
+          <p:nvPr>
+            <p:ph idx="1" type="body"/>
+          </p:nvPr>
+        </p:nvSpPr>
+        <p:spPr>
+          <a:xfrm>
+            <a:off x="387900" y="1489824"/>
+            <a:ext cx="8368200" cy="3078900"/>
+          </a:xfrm>
+          <a:prstGeom prst="rect">
+            <a:avLst/>
+          </a:prstGeom>
+        </p:spPr>
+        <p:txBody>
+          <a:bodyPr anchorCtr="0" anchor="t" bIns="91425" lIns="91425" rIns="91425" tIns="91425">
+            <a:noAutofit/>
+          </a:bodyPr>
+          <a:lstStyle/>
+          <a:p>
+            <a:pPr lvl="0" rtl="0">
+              <a:spcBef>
+                <a:spcPts val="0"/>
+              </a:spcBef>
+              <a:buNone/>
+            </a:pPr>
+            <a:r>
+              <a:rPr lang="en" u="sng"/>
+              <a:t>More data</a:t>
+            </a:r>
+            <a:r>
+              <a:rPr lang="en"/>
+              <a:t> - Millions of photos are posted every second</a:t>
+            </a:r>
+          </a:p>
+          <a:p>
+            <a:pPr lvl="0" rtl="0">
+              <a:spcBef>
+                <a:spcPts val="0"/>
+              </a:spcBef>
+              <a:buNone/>
+            </a:pPr>
+            <a:r>
+              <a:rPr lang="en" u="sng"/>
+              <a:t>Subsets</a:t>
+            </a:r>
+            <a:r>
+              <a:rPr lang="en"/>
+              <a:t> - It’s likely we’d need different models for different tags</a:t>
+            </a:r>
+          </a:p>
+          <a:p>
+            <a:pPr lvl="0" rtl="0">
+              <a:spcBef>
+                <a:spcPts val="0"/>
+              </a:spcBef>
+              <a:buNone/>
+            </a:pPr>
+            <a:r>
+              <a:rPr lang="en" u="sng"/>
+              <a:t>Date/Time</a:t>
+            </a:r>
+            <a:r>
+              <a:rPr lang="en"/>
+              <a:t> - The time a photo is posted and how long it’s been up effect likes</a:t>
+            </a:r>
+          </a:p>
+          <a:p>
+            <a:pPr lvl="0" rtl="0">
+              <a:spcBef>
+                <a:spcPts val="0"/>
+              </a:spcBef>
+              <a:buNone/>
+            </a:pPr>
+            <a:r>
+              <a:rPr lang="en" u="sng"/>
+              <a:t>Follower involvement</a:t>
+            </a:r>
+            <a:r>
+              <a:rPr lang="en"/>
+              <a:t> - Specific lists of users followers would let us quantify their activity, and how often they like a user’s posts</a:t>
+            </a:r>
+          </a:p>
+          <a:p>
+            <a:pPr lvl="0" rtl="0">
+              <a:spcBef>
+                <a:spcPts val="0"/>
+              </a:spcBef>
+              <a:buNone/>
+            </a:pPr>
+            <a:r>
+              <a:rPr lang="en" u="sng"/>
+              <a:t>Image features</a:t>
+            </a:r>
+            <a:r>
+              <a:rPr lang="en"/>
+              <a:t> - Tons more information could be extracted from photos</a:t>
+            </a:r>
+          </a:p>
+          <a:p>
+            <a:pPr lvl="0" rtl="0">
+              <a:spcBef>
+                <a:spcPts val="0"/>
+              </a:spcBef>
+              <a:buNone/>
+            </a:pPr>
+            <a:r>
+              <a:rPr lang="en"/>
+              <a:t>….the possibilities are borderline endless</a:t>
+            </a:r>
+          </a:p>
+        </p:txBody>
+      </p:sp>
+    </p:spTree>
+  </p:cSld>
+  <p:clrMapOvr>
+    <a:masterClrMapping/>
+  </p:clrMapOvr>
+</p:sld>
+</file>
+
+<file path=ppt/slides/slide18.xml><?xml version="1.0" encoding="utf-8"?>
+<p:sld xmlns:a="http://schemas.openxmlformats.org/drawingml/2006/main" xmlns:r="http://schemas.openxmlformats.org/officeDocument/2006/relationships" xmlns:mc="http://schemas.openxmlformats.org/markup-compatibility/2006" xmlns:mv="urn:schemas-microsoft-com:mac:vml" xmlns:p="http://schemas.openxmlformats.org/presentationml/2006/main" xmlns:c="http://schemas.openxmlformats.org/drawingml/2006/chart" xmlns:dgm="http://schemas.openxmlformats.org/drawingml/2006/diagram" xmlns:o="urn:schemas-microsoft-com:office:office" xmlns:v="urn:schemas-microsoft-com:vml" xmlns:pvml="urn:schemas-microsoft-com:office:powerpoint" xmlns:com="http://schemas.openxmlformats.org/drawingml/2006/compatibility" xmlns:p14="http://schemas.microsoft.com/office/powerpoint/2010/main">
+  <p:cSld>
+    <p:spTree>
+      <p:nvGrpSpPr>
+        <p:cNvPr id="199" name="Shape 199"/>
+        <p:cNvGrpSpPr/>
+        <p:nvPr/>
+      </p:nvGrpSpPr>
+      <p:grpSpPr>
+        <a:xfrm>
+          <a:off x="0" y="0"/>
+          <a:ext cx="0" cy="0"/>
+          <a:chOff x="0" y="0"/>
+          <a:chExt cx="0" cy="0"/>
+        </a:xfrm>
+      </p:grpSpPr>
+      <p:sp>
+        <p:nvSpPr>
+          <p:cNvPr id="200" name="Shape 200"/>
+          <p:cNvSpPr txBox="1"/>
+          <p:nvPr>
+            <p:ph type="title"/>
+          </p:nvPr>
+        </p:nvSpPr>
+        <p:spPr>
+          <a:xfrm>
+            <a:off x="387900" y="458025"/>
+            <a:ext cx="8368200" cy="686100"/>
+          </a:xfrm>
+          <a:prstGeom prst="rect">
+            <a:avLst/>
+          </a:prstGeom>
+        </p:spPr>
+        <p:txBody>
+          <a:bodyPr anchorCtr="0" anchor="b" bIns="91425" lIns="91425" rIns="91425" tIns="91425">
+            <a:noAutofit/>
+          </a:bodyPr>
+          <a:lstStyle/>
+          <a:p>
             <a:pPr lvl="0">
               <a:spcBef>
                 <a:spcPts val="0"/>
@@ -7022,7 +7255,7 @@
       </p:sp>
       <p:sp>
         <p:nvSpPr>
-          <p:cNvPr id="194" name="Shape 194"/>
+          <p:cNvPr id="201" name="Shape 201"/>
           <p:cNvSpPr txBox="1"/>
           <p:nvPr>
             <p:ph idx="1" type="body"/>
